--- a/Fighting_Rutabagas.pptx
+++ b/Fighting_Rutabagas.pptx
@@ -5,17 +5,18 @@
     <p:sldMasterId id="2147483660" r:id="rId1"/>
   </p:sldMasterIdLst>
   <p:notesMasterIdLst>
-    <p:notesMasterId r:id="rId10"/>
+    <p:notesMasterId r:id="rId11"/>
   </p:notesMasterIdLst>
   <p:sldIdLst>
     <p:sldId id="256" r:id="rId2"/>
     <p:sldId id="257" r:id="rId3"/>
     <p:sldId id="259" r:id="rId4"/>
-    <p:sldId id="260" r:id="rId5"/>
-    <p:sldId id="265" r:id="rId6"/>
-    <p:sldId id="264" r:id="rId7"/>
-    <p:sldId id="266" r:id="rId8"/>
-    <p:sldId id="262" r:id="rId9"/>
+    <p:sldId id="267" r:id="rId5"/>
+    <p:sldId id="260" r:id="rId6"/>
+    <p:sldId id="265" r:id="rId7"/>
+    <p:sldId id="264" r:id="rId8"/>
+    <p:sldId id="266" r:id="rId9"/>
+    <p:sldId id="262" r:id="rId10"/>
   </p:sldIdLst>
   <p:sldSz cx="12192000" cy="6858000"/>
   <p:notesSz cx="6858000" cy="9144000"/>
@@ -204,7 +205,7 @@
           <a:p>
             <a:fld id="{4C508D6E-92A4-8A45-AD97-E9C9C416A1D6}" type="datetimeFigureOut">
               <a:rPr lang="en-US" smtClean="0"/>
-              <a:t>12/10/17</a:t>
+              <a:t>12/12/2017</a:t>
             </a:fld>
             <a:endParaRPr lang="en-US"/>
           </a:p>
@@ -875,7 +876,7 @@
           <a:p>
             <a:fld id="{1BF96818-4BB4-412D-99B2-2E2469C47416}" type="datetimeFigureOut">
               <a:rPr lang="en-US" smtClean="0"/>
-              <a:t>12/10/17</a:t>
+              <a:t>12/12/2017</a:t>
             </a:fld>
             <a:endParaRPr lang="en-US"/>
           </a:p>
@@ -1054,7 +1055,7 @@
           <a:p>
             <a:fld id="{1BF96818-4BB4-412D-99B2-2E2469C47416}" type="datetimeFigureOut">
               <a:rPr lang="en-US" smtClean="0"/>
-              <a:t>12/10/17</a:t>
+              <a:t>12/12/2017</a:t>
             </a:fld>
             <a:endParaRPr lang="en-US"/>
           </a:p>
@@ -1234,7 +1235,7 @@
           <a:p>
             <a:fld id="{1BF96818-4BB4-412D-99B2-2E2469C47416}" type="datetimeFigureOut">
               <a:rPr lang="en-US" smtClean="0"/>
-              <a:t>12/10/17</a:t>
+              <a:t>12/12/2017</a:t>
             </a:fld>
             <a:endParaRPr lang="en-US"/>
           </a:p>
@@ -1404,7 +1405,7 @@
           <a:p>
             <a:fld id="{1BF96818-4BB4-412D-99B2-2E2469C47416}" type="datetimeFigureOut">
               <a:rPr lang="en-US" smtClean="0"/>
-              <a:t>12/10/17</a:t>
+              <a:t>12/12/2017</a:t>
             </a:fld>
             <a:endParaRPr lang="en-US"/>
           </a:p>
@@ -1717,7 +1718,7 @@
           <a:p>
             <a:fld id="{1BF96818-4BB4-412D-99B2-2E2469C47416}" type="datetimeFigureOut">
               <a:rPr lang="en-US" smtClean="0"/>
-              <a:t>12/10/17</a:t>
+              <a:t>12/12/2017</a:t>
             </a:fld>
             <a:endParaRPr lang="en-US"/>
           </a:p>
@@ -2103,7 +2104,7 @@
           <a:p>
             <a:fld id="{1BF96818-4BB4-412D-99B2-2E2469C47416}" type="datetimeFigureOut">
               <a:rPr lang="en-US" smtClean="0"/>
-              <a:t>12/10/17</a:t>
+              <a:t>12/12/2017</a:t>
             </a:fld>
             <a:endParaRPr lang="en-US"/>
           </a:p>
@@ -2537,7 +2538,7 @@
           <a:p>
             <a:fld id="{1BF96818-4BB4-412D-99B2-2E2469C47416}" type="datetimeFigureOut">
               <a:rPr lang="en-US" smtClean="0"/>
-              <a:t>12/10/17</a:t>
+              <a:t>12/12/2017</a:t>
             </a:fld>
             <a:endParaRPr lang="en-US"/>
           </a:p>
@@ -2655,7 +2656,7 @@
           <a:p>
             <a:fld id="{1BF96818-4BB4-412D-99B2-2E2469C47416}" type="datetimeFigureOut">
               <a:rPr lang="en-US" smtClean="0"/>
-              <a:t>12/10/17</a:t>
+              <a:t>12/12/2017</a:t>
             </a:fld>
             <a:endParaRPr lang="en-US"/>
           </a:p>
@@ -2750,7 +2751,7 @@
           <a:p>
             <a:fld id="{1BF96818-4BB4-412D-99B2-2E2469C47416}" type="datetimeFigureOut">
               <a:rPr lang="en-US" smtClean="0"/>
-              <a:t>12/10/17</a:t>
+              <a:t>12/12/2017</a:t>
             </a:fld>
             <a:endParaRPr lang="en-US"/>
           </a:p>
@@ -3100,7 +3101,7 @@
           <a:p>
             <a:fld id="{1BF96818-4BB4-412D-99B2-2E2469C47416}" type="datetimeFigureOut">
               <a:rPr lang="en-US" smtClean="0"/>
-              <a:t>12/10/17</a:t>
+              <a:t>12/12/2017</a:t>
             </a:fld>
             <a:endParaRPr lang="en-US"/>
           </a:p>
@@ -3525,7 +3526,7 @@
           <a:p>
             <a:fld id="{1BF96818-4BB4-412D-99B2-2E2469C47416}" type="datetimeFigureOut">
               <a:rPr lang="en-US" smtClean="0"/>
-              <a:t>12/10/17</a:t>
+              <a:t>12/12/2017</a:t>
             </a:fld>
             <a:endParaRPr lang="en-US"/>
           </a:p>
@@ -3806,7 +3807,7 @@
           <a:p>
             <a:fld id="{1BF96818-4BB4-412D-99B2-2E2469C47416}" type="datetimeFigureOut">
               <a:rPr lang="en-US" smtClean="0"/>
-              <a:t>12/10/17</a:t>
+              <a:t>12/12/2017</a:t>
             </a:fld>
             <a:endParaRPr lang="en-US"/>
           </a:p>
@@ -4846,7 +4847,18 @@
             <a:pPr lvl="2"/>
             <a:r>
               <a:rPr lang="en-US" dirty="0" smtClean="0"/>
-              <a:t>Classical hangman fail state. </a:t>
+              <a:t>Classical hangman fail </a:t>
+            </a:r>
+            <a:r>
+              <a:rPr lang="en-US" dirty="0" smtClean="0"/>
+              <a:t>state</a:t>
+            </a:r>
+          </a:p>
+          <a:p>
+            <a:pPr lvl="2"/>
+            <a:r>
+              <a:rPr lang="en-US" dirty="0" smtClean="0"/>
+              <a:t>Multiple rounds to win a game </a:t>
             </a:r>
             <a:endParaRPr lang="en-US" dirty="0"/>
           </a:p>
@@ -5103,41 +5115,65 @@
               <a:rPr lang="en-US" dirty="0" err="1" smtClean="0"/>
               <a:t>CheckState</a:t>
             </a:r>
+            <a:endParaRPr lang="en-US" dirty="0"/>
+          </a:p>
+          <a:p>
+            <a:pPr lvl="1"/>
+            <a:r>
+              <a:rPr lang="en-US" dirty="0" smtClean="0"/>
+              <a:t>Guesses </a:t>
+            </a:r>
+            <a:r>
+              <a:rPr lang="en-US" dirty="0" smtClean="0"/>
+              <a:t>the guesser’s guess count. </a:t>
+            </a:r>
+          </a:p>
+          <a:p>
+            <a:r>
+              <a:rPr lang="en-US" dirty="0" err="1"/>
+              <a:t>CheckGuess</a:t>
+            </a:r>
             <a:r>
               <a:rPr lang="en-US" dirty="0"/>
               <a:t> </a:t>
             </a:r>
-            <a:r>
-              <a:rPr lang="en-US" dirty="0" smtClean="0"/>
-              <a:t>/ </a:t>
-            </a:r>
-            <a:r>
-              <a:rPr lang="en-US" dirty="0" err="1" smtClean="0"/>
-              <a:t>CheckGuess</a:t>
-            </a:r>
-            <a:r>
-              <a:rPr lang="en-US" dirty="0" smtClean="0"/>
-              <a:t> </a:t>
-            </a:r>
+            <a:endParaRPr lang="en-US" dirty="0" smtClean="0"/>
           </a:p>
           <a:p>
             <a:pPr lvl="1"/>
             <a:r>
               <a:rPr lang="en-US" dirty="0" smtClean="0"/>
-              <a:t>Guesses the guesser’s guess count. </a:t>
+              <a:t>Updates </a:t>
+            </a:r>
+            <a:r>
+              <a:rPr lang="en-US" dirty="0"/>
+              <a:t>guesses and display </a:t>
+            </a:r>
+            <a:r>
+              <a:rPr lang="en-US" dirty="0" smtClean="0"/>
+              <a:t>word</a:t>
             </a:r>
             <a:endParaRPr lang="en-US" dirty="0" smtClean="0"/>
           </a:p>
           <a:p>
             <a:r>
-              <a:rPr lang="en-US" dirty="0" smtClean="0"/>
-              <a:t>Updates guesses and display word</a:t>
-            </a:r>
-          </a:p>
-          <a:p>
-            <a:r>
-              <a:rPr lang="en-US" dirty="0" smtClean="0"/>
-              <a:t>Updates the roles and calculates scores</a:t>
+              <a:rPr lang="en-US" dirty="0"/>
+              <a:t>Displayed hangman based on </a:t>
+            </a:r>
+            <a:r>
+              <a:rPr lang="en-US" dirty="0" smtClean="0"/>
+              <a:t>fail state</a:t>
+            </a:r>
+            <a:endParaRPr lang="en-US" dirty="0"/>
+          </a:p>
+          <a:p>
+            <a:r>
+              <a:rPr lang="en-US" dirty="0" smtClean="0"/>
+              <a:t>Updates </a:t>
+            </a:r>
+            <a:r>
+              <a:rPr lang="en-US" dirty="0" smtClean="0"/>
+              <a:t>the roles and calculates scores</a:t>
             </a:r>
           </a:p>
           <a:p>
@@ -5146,12 +5182,15 @@
               <a:rPr lang="en-US" dirty="0" smtClean="0"/>
               <a:t>When a role is done what </a:t>
             </a:r>
-            <a:endParaRPr lang="en-US" dirty="0" smtClean="0"/>
-          </a:p>
-          <a:p>
-            <a:r>
-              <a:rPr lang="en-US" dirty="0" smtClean="0"/>
-              <a:t>User Interface </a:t>
+          </a:p>
+          <a:p>
+            <a:r>
+              <a:rPr lang="en-US" dirty="0" smtClean="0"/>
+              <a:t>User </a:t>
+            </a:r>
+            <a:r>
+              <a:rPr lang="en-US" dirty="0" smtClean="0"/>
+              <a:t>Interface </a:t>
             </a:r>
           </a:p>
           <a:p>
@@ -5166,8 +5205,15 @@
             </a:r>
             <a:r>
               <a:rPr lang="en-US" dirty="0" smtClean="0"/>
-              <a:t> characters </a:t>
-            </a:r>
+              <a:t> </a:t>
+            </a:r>
+            <a:r>
+              <a:rPr lang="en-US" dirty="0" smtClean="0"/>
+              <a:t>characters</a:t>
+            </a:r>
+          </a:p>
+          <a:p>
+            <a:endParaRPr lang="en-US" dirty="0" smtClean="0"/>
           </a:p>
           <a:p>
             <a:pPr lvl="1"/>
@@ -5311,30 +5357,6 @@
 <file path=ppt/slides/slide4.xml><?xml version="1.0" encoding="utf-8"?>
 <p:sld xmlns:a="http://schemas.openxmlformats.org/drawingml/2006/main" xmlns:r="http://schemas.openxmlformats.org/officeDocument/2006/relationships" xmlns:p="http://schemas.openxmlformats.org/presentationml/2006/main">
   <p:cSld>
-    <p:bg>
-      <p:bgPr>
-        <a:blipFill dpi="0" rotWithShape="1">
-          <a:blip r:embed="rId2">
-            <a:alphaModFix amt="67000"/>
-            <a:duotone>
-              <a:schemeClr val="bg2">
-                <a:tint val="75000"/>
-                <a:shade val="58000"/>
-                <a:satMod val="120000"/>
-              </a:schemeClr>
-              <a:schemeClr val="bg2">
-                <a:tint val="50000"/>
-                <a:shade val="96000"/>
-              </a:schemeClr>
-            </a:duotone>
-            <a:lum/>
-          </a:blip>
-          <a:srcRect/>
-          <a:tile tx="0" ty="0" sx="100000" sy="100000" flip="none" algn="tl"/>
-        </a:blipFill>
-        <a:effectLst/>
-      </p:bgPr>
-    </p:bg>
     <p:spTree>
       <p:nvGrpSpPr>
         <p:cNvPr id="1" name=""/>
@@ -5349,240 +5371,41 @@
           <a:chExt cx="0" cy="0"/>
         </a:xfrm>
       </p:grpSpPr>
-      <p:sp>
-        <p:nvSpPr>
-          <p:cNvPr id="2" name="Title 1"/>
-          <p:cNvSpPr>
-            <a:spLocks noGrp="1"/>
-          </p:cNvSpPr>
-          <p:nvPr>
-            <p:ph type="title"/>
-          </p:nvPr>
-        </p:nvSpPr>
-        <p:spPr/>
-        <p:txBody>
-          <a:bodyPr/>
-          <a:lstStyle/>
-          <a:p>
-            <a:r>
-              <a:rPr lang="en-US" dirty="0" smtClean="0"/>
-              <a:t>Favorite part </a:t>
-            </a:r>
-            <a:endParaRPr lang="en-US" dirty="0"/>
-          </a:p>
-        </p:txBody>
-      </p:sp>
-      <p:sp>
-        <p:nvSpPr>
-          <p:cNvPr id="3" name="Content Placeholder 2"/>
-          <p:cNvSpPr>
-            <a:spLocks noGrp="1"/>
-          </p:cNvSpPr>
+      <p:pic>
+        <p:nvPicPr>
+          <p:cNvPr id="4" name="Content Placeholder 3"/>
+          <p:cNvPicPr>
+            <a:picLocks noGrp="1" noChangeAspect="1"/>
+          </p:cNvPicPr>
           <p:nvPr>
             <p:ph idx="1"/>
           </p:nvPr>
-        </p:nvSpPr>
+        </p:nvPicPr>
+        <p:blipFill rotWithShape="1">
+          <a:blip r:embed="rId2"/>
+          <a:srcRect l="8204" t="-2840" r="52457"/>
+          <a:stretch/>
+        </p:blipFill>
         <p:spPr>
           <a:xfrm>
-            <a:off x="1069848" y="2121408"/>
-            <a:ext cx="7100758" cy="4050792"/>
-          </a:xfrm>
-        </p:spPr>
-        <p:txBody>
-          <a:bodyPr/>
-          <a:lstStyle/>
-          <a:p>
-            <a:r>
-              <a:rPr lang="en-US" dirty="0"/>
-              <a:t>Creating the </a:t>
-            </a:r>
-            <a:r>
-              <a:rPr lang="en-US" dirty="0" smtClean="0"/>
-              <a:t>team name “FIGHTING RUTABAGAS”</a:t>
-            </a:r>
-            <a:endParaRPr lang="en-US" dirty="0"/>
-          </a:p>
-          <a:p>
-            <a:r>
-              <a:rPr lang="en-US" dirty="0" smtClean="0"/>
-              <a:t>The </a:t>
-            </a:r>
-            <a:r>
-              <a:rPr lang="en-US" dirty="0"/>
-              <a:t>feeling of </a:t>
-            </a:r>
-            <a:r>
-              <a:rPr lang="en-US" dirty="0" smtClean="0"/>
-              <a:t>success </a:t>
-            </a:r>
-            <a:r>
-              <a:rPr lang="en-US" dirty="0" smtClean="0"/>
-              <a:t>of seeing our idea come together. </a:t>
-            </a:r>
-          </a:p>
-          <a:p>
-            <a:r>
-              <a:rPr lang="en-US" dirty="0" smtClean="0"/>
-              <a:t>Speaking in “AFRICAN ACCENT” 99.99% of the time</a:t>
-            </a:r>
-          </a:p>
-          <a:p>
-            <a:pPr lvl="1"/>
-            <a:r>
-              <a:rPr lang="en-US" dirty="0" smtClean="0"/>
-              <a:t>Team bonding! </a:t>
-            </a:r>
-            <a:r>
-              <a:rPr lang="en-US" dirty="0" smtClean="0">
-                <a:sym typeface="Wingdings"/>
-              </a:rPr>
-              <a:t></a:t>
-            </a:r>
-            <a:endParaRPr lang="en-US" dirty="0" smtClean="0"/>
-          </a:p>
-          <a:p>
-            <a:r>
-              <a:rPr lang="en-US" dirty="0" smtClean="0"/>
-              <a:t>The completely unnecessary optimization of conditional code. </a:t>
-            </a:r>
-            <a:endParaRPr lang="en-US" dirty="0" smtClean="0"/>
-          </a:p>
-        </p:txBody>
-      </p:sp>
-      <p:sp>
-        <p:nvSpPr>
-          <p:cNvPr id="9" name="TextBox 8"/>
-          <p:cNvSpPr txBox="1"/>
-          <p:nvPr/>
-        </p:nvSpPr>
-        <p:spPr>
-          <a:xfrm>
-            <a:off x="9258300" y="88900"/>
-            <a:ext cx="3073400" cy="2862322"/>
+            <a:off x="1238596" y="-124448"/>
+            <a:ext cx="9410008" cy="6918646"/>
           </a:xfrm>
           <a:prstGeom prst="rect">
             <a:avLst/>
           </a:prstGeom>
-          <a:noFill/>
         </p:spPr>
-        <p:txBody>
-          <a:bodyPr wrap="square" rtlCol="0">
-            <a:spAutoFit/>
-          </a:bodyPr>
-          <a:lstStyle/>
-          <a:p>
-            <a:r>
-              <a:rPr lang="en-US" dirty="0" smtClean="0"/>
-              <a:t>	</a:t>
-            </a:r>
-            <a:r>
-              <a:rPr lang="en-US" b="1" dirty="0" smtClean="0"/>
-              <a:t>--------------</a:t>
-            </a:r>
-          </a:p>
-          <a:p>
-            <a:r>
-              <a:rPr lang="en-US" b="1" dirty="0"/>
-              <a:t>	|</a:t>
-            </a:r>
-            <a:r>
-              <a:rPr lang="en-US" b="1" dirty="0" smtClean="0"/>
-              <a:t>	|</a:t>
-            </a:r>
-          </a:p>
-          <a:p>
-            <a:r>
-              <a:rPr lang="en-US" b="1" dirty="0"/>
-              <a:t>	0</a:t>
-            </a:r>
-            <a:r>
-              <a:rPr lang="en-US" b="1" dirty="0" smtClean="0"/>
-              <a:t>	|</a:t>
-            </a:r>
-          </a:p>
-          <a:p>
-            <a:r>
-              <a:rPr lang="en-US" b="1" dirty="0"/>
-              <a:t> </a:t>
-            </a:r>
-            <a:r>
-              <a:rPr lang="en-US" b="1" dirty="0" smtClean="0"/>
-              <a:t>             	|	|</a:t>
-            </a:r>
-          </a:p>
-          <a:p>
-            <a:r>
-              <a:rPr lang="en-US" b="1" dirty="0" smtClean="0"/>
-              <a:t>            	| 	|</a:t>
-            </a:r>
-          </a:p>
-          <a:p>
-            <a:r>
-              <a:rPr lang="en-US" b="1" dirty="0"/>
-              <a:t> </a:t>
-            </a:r>
-            <a:r>
-              <a:rPr lang="en-US" b="1" dirty="0" smtClean="0"/>
-              <a:t>              /	|</a:t>
-            </a:r>
-          </a:p>
-          <a:p>
-            <a:r>
-              <a:rPr lang="en-US" b="1" dirty="0"/>
-              <a:t> </a:t>
-            </a:r>
-            <a:r>
-              <a:rPr lang="en-US" b="1" dirty="0" smtClean="0"/>
-              <a:t>          _/	   	|</a:t>
-            </a:r>
-            <a:endParaRPr lang="en-US" b="1" dirty="0"/>
-          </a:p>
-          <a:p>
-            <a:r>
-              <a:rPr lang="en-US" b="1" dirty="0" smtClean="0"/>
-              <a:t>           		|</a:t>
-            </a:r>
-          </a:p>
-          <a:p>
-            <a:r>
-              <a:rPr lang="en-US" b="1" dirty="0"/>
-              <a:t>	</a:t>
-            </a:r>
-            <a:r>
-              <a:rPr lang="en-US" b="1" dirty="0" smtClean="0"/>
-              <a:t>________|_______</a:t>
-            </a:r>
-          </a:p>
-          <a:p>
-            <a:r>
-              <a:rPr lang="en-US" dirty="0"/>
-              <a:t>	</a:t>
-            </a:r>
-            <a:r>
-              <a:rPr lang="en-US" dirty="0" smtClean="0"/>
-              <a:t>		</a:t>
-            </a:r>
-            <a:endParaRPr lang="en-US" dirty="0"/>
-          </a:p>
-        </p:txBody>
-      </p:sp>
+      </p:pic>
     </p:spTree>
     <p:extLst>
       <p:ext uri="{BB962C8B-B14F-4D97-AF65-F5344CB8AC3E}">
-        <p14:creationId xmlns:p14="http://schemas.microsoft.com/office/powerpoint/2010/main" val="2433510680"/>
+        <p14:creationId xmlns:p14="http://schemas.microsoft.com/office/powerpoint/2010/main" val="4181196846"/>
       </p:ext>
     </p:extLst>
   </p:cSld>
   <p:clrMapOvr>
     <a:masterClrMapping/>
   </p:clrMapOvr>
-  <p:timing>
-    <p:tnLst>
-      <p:par>
-        <p:cTn id="1" dur="indefinite" restart="never" nodeType="tmRoot"/>
-      </p:par>
-    </p:tnLst>
-  </p:timing>
 </p:sld>
 </file>
 
@@ -5644,7 +5467,7 @@
           <a:p>
             <a:r>
               <a:rPr lang="en-US" dirty="0" smtClean="0"/>
-              <a:t>Challenges</a:t>
+              <a:t>Favorite part </a:t>
             </a:r>
             <a:endParaRPr lang="en-US" dirty="0"/>
           </a:p>
@@ -5663,7 +5486,7 @@
         <p:spPr>
           <a:xfrm>
             <a:off x="1069848" y="2121408"/>
-            <a:ext cx="8560849" cy="4050792"/>
+            <a:ext cx="7100758" cy="4050792"/>
           </a:xfrm>
         </p:spPr>
         <p:txBody>
@@ -5671,59 +5494,60 @@
           <a:lstStyle/>
           <a:p>
             <a:r>
-              <a:rPr lang="en-US" dirty="0" err="1" smtClean="0"/>
-              <a:t>CheckState</a:t>
-            </a:r>
-            <a:r>
-              <a:rPr lang="en-US" dirty="0" smtClean="0"/>
-              <a:t> </a:t>
+              <a:rPr lang="en-US" dirty="0"/>
+              <a:t>Creating the </a:t>
+            </a:r>
+            <a:r>
+              <a:rPr lang="en-US" dirty="0" smtClean="0"/>
+              <a:t>team name “FIGHTING RUTABAGAS”</a:t>
+            </a:r>
+            <a:endParaRPr lang="en-US" dirty="0"/>
+          </a:p>
+          <a:p>
+            <a:r>
+              <a:rPr lang="en-US" dirty="0" smtClean="0"/>
+              <a:t>The </a:t>
+            </a:r>
+            <a:r>
+              <a:rPr lang="en-US" dirty="0"/>
+              <a:t>feeling of </a:t>
+            </a:r>
+            <a:r>
+              <a:rPr lang="en-US" dirty="0" smtClean="0"/>
+              <a:t>success of seeing our idea come together. </a:t>
+            </a:r>
+          </a:p>
+          <a:p>
+            <a:r>
+              <a:rPr lang="en-US" dirty="0" smtClean="0"/>
+              <a:t>Speaking in “AFRICAN ACCENT” 99.99% of the time</a:t>
             </a:r>
           </a:p>
           <a:p>
             <a:pPr lvl="1"/>
             <a:r>
               <a:rPr lang="en-US" dirty="0" smtClean="0"/>
-              <a:t>Checks if the user has completed the word, determines the round success or failure </a:t>
-            </a:r>
-          </a:p>
-          <a:p>
-            <a:r>
-              <a:rPr lang="en-US" dirty="0" smtClean="0"/>
-              <a:t>Updating Roles </a:t>
-            </a:r>
-          </a:p>
-          <a:p>
-            <a:pPr lvl="1"/>
-            <a:r>
-              <a:rPr lang="en-US" dirty="0" smtClean="0"/>
-              <a:t>Based on the check state, knowing who is the guesser and the executor. </a:t>
-            </a:r>
-            <a:endParaRPr lang="en-US" dirty="0"/>
-          </a:p>
-          <a:p>
-            <a:r>
-              <a:rPr lang="en-US" dirty="0" smtClean="0"/>
-              <a:t>We chose to remove conditional jump instructions as much as possible. </a:t>
-            </a:r>
-          </a:p>
-          <a:p>
-            <a:r>
-              <a:rPr lang="en-US" dirty="0" smtClean="0"/>
-              <a:t>BAD MERGES. </a:t>
-            </a:r>
-          </a:p>
-          <a:p>
-            <a:r>
-              <a:rPr lang="en-US" dirty="0" smtClean="0"/>
-              <a:t>Tediously placing </a:t>
-            </a:r>
-            <a:r>
-              <a:rPr lang="en-US" dirty="0" err="1" smtClean="0"/>
-              <a:t>ascii</a:t>
-            </a:r>
-            <a:r>
-              <a:rPr lang="en-US" dirty="0" smtClean="0"/>
-              <a:t> art! </a:t>
+              <a:t>Team bonding! </a:t>
+            </a:r>
+            <a:r>
+              <a:rPr lang="en-US" dirty="0" smtClean="0">
+                <a:sym typeface="Wingdings"/>
+              </a:rPr>
+              <a:t></a:t>
+            </a:r>
+            <a:endParaRPr lang="en-US" dirty="0" smtClean="0"/>
+          </a:p>
+          <a:p>
+            <a:r>
+              <a:rPr lang="en-US" dirty="0" smtClean="0"/>
+              <a:t>The completely unnecessary optimization of conditional code. </a:t>
+            </a:r>
+            <a:endParaRPr lang="en-US" dirty="0" smtClean="0"/>
+          </a:p>
+          <a:p>
+            <a:r>
+              <a:rPr lang="en-US" dirty="0" smtClean="0"/>
+              <a:t>Plus we made a pretty cool game</a:t>
             </a:r>
             <a:endParaRPr lang="en-US" dirty="0" smtClean="0"/>
           </a:p>
@@ -5803,7 +5627,7 @@
             </a:r>
             <a:r>
               <a:rPr lang="en-US" b="1" dirty="0" smtClean="0"/>
-              <a:t>              /\	|</a:t>
+              <a:t>              /	|</a:t>
             </a:r>
           </a:p>
           <a:p>
@@ -5813,7 +5637,7 @@
             </a:r>
             <a:r>
               <a:rPr lang="en-US" b="1" dirty="0" smtClean="0"/>
-              <a:t>          _/	   \_	|</a:t>
+              <a:t>          _/	   	|</a:t>
             </a:r>
             <a:endParaRPr lang="en-US" b="1" dirty="0"/>
           </a:p>
@@ -5849,7 +5673,7 @@
     </p:spTree>
     <p:extLst>
       <p:ext uri="{BB962C8B-B14F-4D97-AF65-F5344CB8AC3E}">
-        <p14:creationId xmlns:p14="http://schemas.microsoft.com/office/powerpoint/2010/main" val="1987142125"/>
+        <p14:creationId xmlns:p14="http://schemas.microsoft.com/office/powerpoint/2010/main" val="2433510680"/>
       </p:ext>
     </p:extLst>
   </p:cSld>
@@ -5923,12 +5747,8 @@
           <a:lstStyle/>
           <a:p>
             <a:r>
-              <a:rPr lang="en-US" dirty="0"/>
-              <a:t>If we had More time</a:t>
-            </a:r>
-            <a:r>
-              <a:rPr lang="mr-IN" dirty="0"/>
-              <a:t>…</a:t>
+              <a:rPr lang="en-US" dirty="0" smtClean="0"/>
+              <a:t>Challenges</a:t>
             </a:r>
             <a:endParaRPr lang="en-US" dirty="0"/>
           </a:p>
@@ -5947,7 +5767,7 @@
         <p:spPr>
           <a:xfrm>
             <a:off x="1069848" y="2121408"/>
-            <a:ext cx="4797552" cy="4050792"/>
+            <a:ext cx="8560849" cy="4050792"/>
           </a:xfrm>
         </p:spPr>
         <p:txBody>
@@ -5955,51 +5775,60 @@
           <a:lstStyle/>
           <a:p>
             <a:r>
-              <a:rPr lang="en-US" dirty="0" smtClean="0"/>
-              <a:t>Creating a single player version where it reads words from a file rather than user input. </a:t>
-            </a:r>
-          </a:p>
-          <a:p>
-            <a:r>
-              <a:rPr lang="en-US" dirty="0" smtClean="0"/>
-              <a:t>Making the the hangman dance if they won! </a:t>
-            </a:r>
-            <a:r>
-              <a:rPr lang="en-US" dirty="0" smtClean="0">
-                <a:sym typeface="Wingdings"/>
-              </a:rPr>
-              <a:t> - maybe a dab in there.</a:t>
-            </a:r>
-          </a:p>
-          <a:p>
-            <a:r>
-              <a:rPr lang="en-US" smtClean="0">
-                <a:sym typeface="Wingdings"/>
-              </a:rPr>
-              <a:t>Fancy </a:t>
-            </a:r>
-            <a:r>
-              <a:rPr lang="en-US" dirty="0" smtClean="0">
-                <a:sym typeface="Wingdings"/>
-              </a:rPr>
-              <a:t>up the </a:t>
-            </a:r>
-            <a:r>
-              <a:rPr lang="en-US" dirty="0" err="1" smtClean="0">
-                <a:sym typeface="Wingdings"/>
-              </a:rPr>
+              <a:rPr lang="en-US" dirty="0" err="1" smtClean="0"/>
+              <a:t>CheckState</a:t>
+            </a:r>
+            <a:r>
+              <a:rPr lang="en-US" dirty="0" smtClean="0"/>
+              <a:t> </a:t>
+            </a:r>
+          </a:p>
+          <a:p>
+            <a:pPr lvl="1"/>
+            <a:r>
+              <a:rPr lang="en-US" dirty="0" smtClean="0"/>
+              <a:t>Checks if the user has completed the word, determines the round success or failure </a:t>
+            </a:r>
+          </a:p>
+          <a:p>
+            <a:r>
+              <a:rPr lang="en-US" dirty="0" smtClean="0"/>
+              <a:t>Updating Roles </a:t>
+            </a:r>
+          </a:p>
+          <a:p>
+            <a:pPr lvl="1"/>
+            <a:r>
+              <a:rPr lang="en-US" dirty="0" smtClean="0"/>
+              <a:t>Based on the check state, knowing who is the guesser and the executor. </a:t>
+            </a:r>
+            <a:endParaRPr lang="en-US" dirty="0"/>
+          </a:p>
+          <a:p>
+            <a:r>
+              <a:rPr lang="en-US" dirty="0" smtClean="0"/>
+              <a:t>We chose to remove conditional jump instructions as much as possible. </a:t>
+            </a:r>
+          </a:p>
+          <a:p>
+            <a:r>
+              <a:rPr lang="en-US" dirty="0" smtClean="0"/>
+              <a:t>BAD MERGES. </a:t>
+            </a:r>
+          </a:p>
+          <a:p>
+            <a:r>
+              <a:rPr lang="en-US" dirty="0" smtClean="0"/>
+              <a:t>Tediously placing </a:t>
+            </a:r>
+            <a:r>
+              <a:rPr lang="en-US" dirty="0" err="1" smtClean="0"/>
               <a:t>ascii</a:t>
             </a:r>
             <a:r>
-              <a:rPr lang="en-US" dirty="0" smtClean="0">
-                <a:sym typeface="Wingdings"/>
-              </a:rPr>
-              <a:t> art </a:t>
-            </a:r>
-            <a:endParaRPr lang="en-US" dirty="0" smtClean="0"/>
-          </a:p>
-          <a:p>
-            <a:endParaRPr lang="en-US" dirty="0" smtClean="0"/>
+              <a:rPr lang="en-US" dirty="0" smtClean="0"/>
+              <a:t> art! </a:t>
+            </a:r>
           </a:p>
         </p:txBody>
       </p:sp>
@@ -6026,66 +5855,95 @@
           <a:lstStyle/>
           <a:p>
             <a:r>
+              <a:rPr lang="en-US" dirty="0" smtClean="0"/>
+              <a:t>	</a:t>
+            </a:r>
+            <a:r>
+              <a:rPr lang="en-US" b="1" dirty="0" smtClean="0"/>
+              <a:t>--------------</a:t>
+            </a:r>
+          </a:p>
+          <a:p>
+            <a:r>
+              <a:rPr lang="en-US" b="1" dirty="0"/>
+              <a:t>	|</a:t>
+            </a:r>
+            <a:r>
+              <a:rPr lang="en-US" b="1" dirty="0" smtClean="0"/>
+              <a:t>	|</a:t>
+            </a:r>
+          </a:p>
+          <a:p>
+            <a:r>
+              <a:rPr lang="en-US" b="1" dirty="0"/>
+              <a:t>	0</a:t>
+            </a:r>
+            <a:r>
+              <a:rPr lang="en-US" b="1" dirty="0" smtClean="0"/>
+              <a:t>	|</a:t>
+            </a:r>
+          </a:p>
+          <a:p>
+            <a:r>
+              <a:rPr lang="en-US" b="1" dirty="0"/>
+              <a:t> </a:t>
+            </a:r>
+            <a:r>
+              <a:rPr lang="en-US" b="1" dirty="0" smtClean="0"/>
+              <a:t>             	|	|</a:t>
+            </a:r>
+          </a:p>
+          <a:p>
+            <a:r>
+              <a:rPr lang="en-US" b="1" dirty="0" smtClean="0"/>
+              <a:t>            	| 	|</a:t>
+            </a:r>
+          </a:p>
+          <a:p>
+            <a:r>
+              <a:rPr lang="en-US" b="1" dirty="0"/>
+              <a:t> </a:t>
+            </a:r>
+            <a:r>
+              <a:rPr lang="en-US" b="1" dirty="0" smtClean="0"/>
+              <a:t>              /\	|</a:t>
+            </a:r>
+          </a:p>
+          <a:p>
+            <a:r>
+              <a:rPr lang="en-US" b="1" dirty="0"/>
+              <a:t> </a:t>
+            </a:r>
+            <a:r>
+              <a:rPr lang="en-US" b="1" dirty="0" smtClean="0"/>
+              <a:t>          _/	   \_	|</a:t>
+            </a:r>
+            <a:endParaRPr lang="en-US" b="1" dirty="0"/>
+          </a:p>
+          <a:p>
+            <a:r>
+              <a:rPr lang="en-US" b="1" dirty="0" smtClean="0"/>
+              <a:t>           		|</a:t>
+            </a:r>
+          </a:p>
+          <a:p>
+            <a:r>
+              <a:rPr lang="en-US" b="1" dirty="0"/>
+              <a:t>	</a:t>
+            </a:r>
+            <a:r>
+              <a:rPr lang="en-US" b="1" dirty="0" smtClean="0"/>
+              <a:t>________|_______</a:t>
+            </a:r>
+          </a:p>
+          <a:p>
+            <a:r>
               <a:rPr lang="en-US" dirty="0"/>
               <a:t>	</a:t>
             </a:r>
             <a:r>
-              <a:rPr lang="en-US" b="1" dirty="0"/>
-              <a:t>--------------</a:t>
-            </a:r>
-          </a:p>
-          <a:p>
-            <a:r>
-              <a:rPr lang="en-US" b="1" dirty="0"/>
-              <a:t>	|	|</a:t>
-            </a:r>
-          </a:p>
-          <a:p>
-            <a:r>
-              <a:rPr lang="en-US" b="1" dirty="0"/>
-              <a:t>	0	|</a:t>
-            </a:r>
-          </a:p>
-          <a:p>
-            <a:r>
-              <a:rPr lang="en-US" b="1" dirty="0"/>
-              <a:t>              /|	|</a:t>
-            </a:r>
-          </a:p>
-          <a:p>
-            <a:r>
-              <a:rPr lang="en-US" b="1" dirty="0"/>
-              <a:t>            /  |  	|</a:t>
-            </a:r>
-          </a:p>
-          <a:p>
-            <a:r>
-              <a:rPr lang="en-US" b="1" dirty="0"/>
-              <a:t>               /\	|</a:t>
-            </a:r>
-          </a:p>
-          <a:p>
-            <a:r>
-              <a:rPr lang="en-US" b="1" dirty="0"/>
-              <a:t>           _/	   \_	|</a:t>
-            </a:r>
-          </a:p>
-          <a:p>
-            <a:r>
-              <a:rPr lang="en-US" b="1" dirty="0"/>
-              <a:t>           		|</a:t>
-            </a:r>
-          </a:p>
-          <a:p>
-            <a:r>
-              <a:rPr lang="en-US" b="1" dirty="0"/>
-              <a:t>	________|_______</a:t>
-            </a:r>
-          </a:p>
-          <a:p>
-            <a:r>
-              <a:rPr lang="en-US" dirty="0"/>
-              <a:t>			</a:t>
+              <a:rPr lang="en-US" dirty="0" smtClean="0"/>
+              <a:t>		</a:t>
             </a:r>
             <a:endParaRPr lang="en-US" dirty="0"/>
           </a:p>
@@ -6094,7 +5952,7 @@
     </p:spTree>
     <p:extLst>
       <p:ext uri="{BB962C8B-B14F-4D97-AF65-F5344CB8AC3E}">
-        <p14:creationId xmlns:p14="http://schemas.microsoft.com/office/powerpoint/2010/main" val="1287485952"/>
+        <p14:creationId xmlns:p14="http://schemas.microsoft.com/office/powerpoint/2010/main" val="1987142125"/>
       </p:ext>
     </p:extLst>
   </p:cSld>
@@ -6154,6 +6012,89 @@
       </p:grpSpPr>
       <p:sp>
         <p:nvSpPr>
+          <p:cNvPr id="2" name="Title 1"/>
+          <p:cNvSpPr>
+            <a:spLocks noGrp="1"/>
+          </p:cNvSpPr>
+          <p:nvPr>
+            <p:ph type="title"/>
+          </p:nvPr>
+        </p:nvSpPr>
+        <p:spPr/>
+        <p:txBody>
+          <a:bodyPr/>
+          <a:lstStyle/>
+          <a:p>
+            <a:r>
+              <a:rPr lang="en-US" dirty="0" smtClean="0"/>
+              <a:t>Lessons learned/If </a:t>
+            </a:r>
+            <a:r>
+              <a:rPr lang="en-US" dirty="0"/>
+              <a:t>we had More time</a:t>
+            </a:r>
+            <a:r>
+              <a:rPr lang="mr-IN" dirty="0"/>
+              <a:t>…</a:t>
+            </a:r>
+            <a:endParaRPr lang="en-US" dirty="0"/>
+          </a:p>
+        </p:txBody>
+      </p:sp>
+      <p:sp>
+        <p:nvSpPr>
+          <p:cNvPr id="3" name="Content Placeholder 2"/>
+          <p:cNvSpPr>
+            <a:spLocks noGrp="1"/>
+          </p:cNvSpPr>
+          <p:nvPr>
+            <p:ph idx="1"/>
+          </p:nvPr>
+        </p:nvSpPr>
+        <p:spPr>
+          <a:xfrm>
+            <a:off x="205324" y="2315371"/>
+            <a:ext cx="4797552" cy="4050792"/>
+          </a:xfrm>
+        </p:spPr>
+        <p:txBody>
+          <a:bodyPr/>
+          <a:lstStyle/>
+          <a:p>
+            <a:r>
+              <a:rPr lang="en-US" dirty="0" smtClean="0"/>
+              <a:t>Assembler projects can get long</a:t>
+            </a:r>
+          </a:p>
+          <a:p>
+            <a:r>
+              <a:rPr lang="en-US" dirty="0" smtClean="0"/>
+              <a:t>The book is very helpful</a:t>
+            </a:r>
+          </a:p>
+          <a:p>
+            <a:r>
+              <a:rPr lang="en-US" dirty="0" err="1" smtClean="0"/>
+              <a:t>Gotoxy</a:t>
+            </a:r>
+            <a:r>
+              <a:rPr lang="en-US" dirty="0" smtClean="0"/>
+              <a:t> is your friend for UI</a:t>
+            </a:r>
+          </a:p>
+          <a:p>
+            <a:r>
+              <a:rPr lang="en-US" dirty="0" smtClean="0"/>
+              <a:t>Beware of hidden complexity and trust your teammates</a:t>
+            </a:r>
+          </a:p>
+          <a:p>
+            <a:endParaRPr lang="en-US" dirty="0" smtClean="0"/>
+          </a:p>
+        </p:txBody>
+      </p:sp>
+      <p:sp>
+        <p:nvSpPr>
           <p:cNvPr id="9" name="TextBox 8"/>
           <p:cNvSpPr txBox="1"/>
           <p:nvPr/>
@@ -6198,6 +6139,477 @@
           <a:p>
             <a:r>
               <a:rPr lang="en-US" b="1" dirty="0"/>
+              <a:t>              /|	|</a:t>
+            </a:r>
+          </a:p>
+          <a:p>
+            <a:r>
+              <a:rPr lang="en-US" b="1" dirty="0"/>
+              <a:t>            /  |  	|</a:t>
+            </a:r>
+          </a:p>
+          <a:p>
+            <a:r>
+              <a:rPr lang="en-US" b="1" dirty="0"/>
+              <a:t>               /\	|</a:t>
+            </a:r>
+          </a:p>
+          <a:p>
+            <a:r>
+              <a:rPr lang="en-US" b="1" dirty="0"/>
+              <a:t>           _/	   \_	|</a:t>
+            </a:r>
+          </a:p>
+          <a:p>
+            <a:r>
+              <a:rPr lang="en-US" b="1" dirty="0"/>
+              <a:t>           		|</a:t>
+            </a:r>
+          </a:p>
+          <a:p>
+            <a:r>
+              <a:rPr lang="en-US" b="1" dirty="0"/>
+              <a:t>	________|_______</a:t>
+            </a:r>
+          </a:p>
+          <a:p>
+            <a:r>
+              <a:rPr lang="en-US" dirty="0"/>
+              <a:t>			</a:t>
+            </a:r>
+          </a:p>
+        </p:txBody>
+      </p:sp>
+      <p:sp>
+        <p:nvSpPr>
+          <p:cNvPr id="5" name="Content Placeholder 2"/>
+          <p:cNvSpPr txBox="1">
+            <a:spLocks/>
+          </p:cNvSpPr>
+          <p:nvPr/>
+        </p:nvSpPr>
+        <p:spPr>
+          <a:xfrm>
+            <a:off x="5137542" y="2315371"/>
+            <a:ext cx="4797552" cy="4050792"/>
+          </a:xfrm>
+          <a:prstGeom prst="rect">
+            <a:avLst/>
+          </a:prstGeom>
+        </p:spPr>
+        <p:txBody>
+          <a:bodyPr vert="horz" lIns="91440" tIns="45720" rIns="91440" bIns="45720" rtlCol="0">
+            <a:normAutofit/>
+          </a:bodyPr>
+          <a:lstStyle>
+            <a:lvl1pPr marL="182880" indent="-182880" algn="l" defTabSz="914400" rtl="0" eaLnBrk="1" latinLnBrk="0" hangingPunct="1">
+              <a:lnSpc>
+                <a:spcPct val="90000"/>
+              </a:lnSpc>
+              <a:spcBef>
+                <a:spcPts val="1200"/>
+              </a:spcBef>
+              <a:buClr>
+                <a:schemeClr val="accent1">
+                  <a:lumMod val="75000"/>
+                </a:schemeClr>
+              </a:buClr>
+              <a:buSzPct val="85000"/>
+              <a:buFont typeface="Wingdings" pitchFamily="2" charset="2"/>
+              <a:buChar char="§"/>
+              <a:defRPr sz="2000" kern="1200">
+                <a:solidFill>
+                  <a:schemeClr val="tx1"/>
+                </a:solidFill>
+                <a:latin typeface="+mn-lt"/>
+                <a:ea typeface="+mn-ea"/>
+                <a:cs typeface="+mn-cs"/>
+              </a:defRPr>
+            </a:lvl1pPr>
+            <a:lvl2pPr marL="457200" indent="-182880" algn="l" defTabSz="914400" rtl="0" eaLnBrk="1" latinLnBrk="0" hangingPunct="1">
+              <a:lnSpc>
+                <a:spcPct val="90000"/>
+              </a:lnSpc>
+              <a:spcBef>
+                <a:spcPts val="400"/>
+              </a:spcBef>
+              <a:spcAft>
+                <a:spcPts val="200"/>
+              </a:spcAft>
+              <a:buClr>
+                <a:schemeClr val="accent1">
+                  <a:lumMod val="75000"/>
+                </a:schemeClr>
+              </a:buClr>
+              <a:buSzPct val="85000"/>
+              <a:buFont typeface="Wingdings" pitchFamily="2" charset="2"/>
+              <a:buChar char="§"/>
+              <a:defRPr sz="1800" kern="1200">
+                <a:solidFill>
+                  <a:schemeClr val="tx1"/>
+                </a:solidFill>
+                <a:latin typeface="+mn-lt"/>
+                <a:ea typeface="+mn-ea"/>
+                <a:cs typeface="+mn-cs"/>
+              </a:defRPr>
+            </a:lvl2pPr>
+            <a:lvl3pPr marL="731520" indent="-182880" algn="l" defTabSz="914400" rtl="0" eaLnBrk="1" latinLnBrk="0" hangingPunct="1">
+              <a:lnSpc>
+                <a:spcPct val="90000"/>
+              </a:lnSpc>
+              <a:spcBef>
+                <a:spcPts val="400"/>
+              </a:spcBef>
+              <a:spcAft>
+                <a:spcPts val="200"/>
+              </a:spcAft>
+              <a:buClr>
+                <a:schemeClr val="accent1">
+                  <a:lumMod val="75000"/>
+                </a:schemeClr>
+              </a:buClr>
+              <a:buSzPct val="85000"/>
+              <a:buFont typeface="Wingdings" pitchFamily="2" charset="2"/>
+              <a:buChar char="§"/>
+              <a:defRPr sz="1600" kern="1200">
+                <a:solidFill>
+                  <a:schemeClr val="tx1"/>
+                </a:solidFill>
+                <a:latin typeface="+mn-lt"/>
+                <a:ea typeface="+mn-ea"/>
+                <a:cs typeface="+mn-cs"/>
+              </a:defRPr>
+            </a:lvl3pPr>
+            <a:lvl4pPr marL="1005840" indent="-182880" algn="l" defTabSz="914400" rtl="0" eaLnBrk="1" latinLnBrk="0" hangingPunct="1">
+              <a:lnSpc>
+                <a:spcPct val="90000"/>
+              </a:lnSpc>
+              <a:spcBef>
+                <a:spcPts val="400"/>
+              </a:spcBef>
+              <a:spcAft>
+                <a:spcPts val="200"/>
+              </a:spcAft>
+              <a:buClr>
+                <a:schemeClr val="accent1">
+                  <a:lumMod val="75000"/>
+                </a:schemeClr>
+              </a:buClr>
+              <a:buSzPct val="85000"/>
+              <a:buFont typeface="Wingdings" pitchFamily="2" charset="2"/>
+              <a:buChar char="§"/>
+              <a:defRPr sz="1600" kern="1200">
+                <a:solidFill>
+                  <a:schemeClr val="tx1"/>
+                </a:solidFill>
+                <a:latin typeface="+mn-lt"/>
+                <a:ea typeface="+mn-ea"/>
+                <a:cs typeface="+mn-cs"/>
+              </a:defRPr>
+            </a:lvl4pPr>
+            <a:lvl5pPr marL="1280160" indent="-182880" algn="l" defTabSz="914400" rtl="0" eaLnBrk="1" latinLnBrk="0" hangingPunct="1">
+              <a:lnSpc>
+                <a:spcPct val="90000"/>
+              </a:lnSpc>
+              <a:spcBef>
+                <a:spcPts val="400"/>
+              </a:spcBef>
+              <a:spcAft>
+                <a:spcPts val="200"/>
+              </a:spcAft>
+              <a:buClr>
+                <a:schemeClr val="accent1">
+                  <a:lumMod val="75000"/>
+                </a:schemeClr>
+              </a:buClr>
+              <a:buSzPct val="85000"/>
+              <a:buFont typeface="Wingdings" pitchFamily="2" charset="2"/>
+              <a:buChar char="§"/>
+              <a:defRPr sz="1600" kern="1200">
+                <a:solidFill>
+                  <a:schemeClr val="tx1"/>
+                </a:solidFill>
+                <a:latin typeface="+mn-lt"/>
+                <a:ea typeface="+mn-ea"/>
+                <a:cs typeface="+mn-cs"/>
+              </a:defRPr>
+            </a:lvl5pPr>
+            <a:lvl6pPr marL="1600000" indent="-228600" algn="l" defTabSz="914400" rtl="0" eaLnBrk="1" latinLnBrk="0" hangingPunct="1">
+              <a:lnSpc>
+                <a:spcPct val="90000"/>
+              </a:lnSpc>
+              <a:spcBef>
+                <a:spcPts val="400"/>
+              </a:spcBef>
+              <a:spcAft>
+                <a:spcPts val="200"/>
+              </a:spcAft>
+              <a:buClr>
+                <a:schemeClr val="accent1">
+                  <a:lumMod val="75000"/>
+                </a:schemeClr>
+              </a:buClr>
+              <a:buSzPct val="85000"/>
+              <a:buFont typeface="Wingdings" pitchFamily="2" charset="2"/>
+              <a:buChar char="§"/>
+              <a:defRPr sz="1600" kern="1200">
+                <a:solidFill>
+                  <a:schemeClr val="tx1"/>
+                </a:solidFill>
+                <a:latin typeface="+mn-lt"/>
+                <a:ea typeface="+mn-ea"/>
+                <a:cs typeface="+mn-cs"/>
+              </a:defRPr>
+            </a:lvl6pPr>
+            <a:lvl7pPr marL="1900000" indent="-228600" algn="l" defTabSz="914400" rtl="0" eaLnBrk="1" latinLnBrk="0" hangingPunct="1">
+              <a:lnSpc>
+                <a:spcPct val="90000"/>
+              </a:lnSpc>
+              <a:spcBef>
+                <a:spcPts val="400"/>
+              </a:spcBef>
+              <a:spcAft>
+                <a:spcPts val="200"/>
+              </a:spcAft>
+              <a:buClr>
+                <a:schemeClr val="accent1">
+                  <a:lumMod val="75000"/>
+                </a:schemeClr>
+              </a:buClr>
+              <a:buSzPct val="85000"/>
+              <a:buFont typeface="Wingdings" pitchFamily="2" charset="2"/>
+              <a:buChar char="§"/>
+              <a:defRPr sz="1600" kern="1200">
+                <a:solidFill>
+                  <a:schemeClr val="tx1"/>
+                </a:solidFill>
+                <a:latin typeface="+mn-lt"/>
+                <a:ea typeface="+mn-ea"/>
+                <a:cs typeface="+mn-cs"/>
+              </a:defRPr>
+            </a:lvl7pPr>
+            <a:lvl8pPr marL="2200000" indent="-228600" algn="l" defTabSz="914400" rtl="0" eaLnBrk="1" latinLnBrk="0" hangingPunct="1">
+              <a:lnSpc>
+                <a:spcPct val="90000"/>
+              </a:lnSpc>
+              <a:spcBef>
+                <a:spcPts val="400"/>
+              </a:spcBef>
+              <a:spcAft>
+                <a:spcPts val="200"/>
+              </a:spcAft>
+              <a:buClr>
+                <a:schemeClr val="accent1">
+                  <a:lumMod val="75000"/>
+                </a:schemeClr>
+              </a:buClr>
+              <a:buSzPct val="85000"/>
+              <a:buFont typeface="Wingdings" pitchFamily="2" charset="2"/>
+              <a:buChar char="§"/>
+              <a:defRPr sz="1600" kern="1200">
+                <a:solidFill>
+                  <a:schemeClr val="tx1"/>
+                </a:solidFill>
+                <a:latin typeface="+mn-lt"/>
+                <a:ea typeface="+mn-ea"/>
+                <a:cs typeface="+mn-cs"/>
+              </a:defRPr>
+            </a:lvl8pPr>
+            <a:lvl9pPr marL="2500000" indent="-228600" algn="l" defTabSz="914400" rtl="0" eaLnBrk="1" latinLnBrk="0" hangingPunct="1">
+              <a:lnSpc>
+                <a:spcPct val="90000"/>
+              </a:lnSpc>
+              <a:spcBef>
+                <a:spcPts val="400"/>
+              </a:spcBef>
+              <a:spcAft>
+                <a:spcPts val="200"/>
+              </a:spcAft>
+              <a:buClr>
+                <a:schemeClr val="accent1">
+                  <a:lumMod val="75000"/>
+                </a:schemeClr>
+              </a:buClr>
+              <a:buSzPct val="85000"/>
+              <a:buFont typeface="Wingdings" pitchFamily="2" charset="2"/>
+              <a:buChar char="§"/>
+              <a:defRPr sz="1600" kern="1200">
+                <a:solidFill>
+                  <a:schemeClr val="tx1"/>
+                </a:solidFill>
+                <a:latin typeface="+mn-lt"/>
+                <a:ea typeface="+mn-ea"/>
+                <a:cs typeface="+mn-cs"/>
+              </a:defRPr>
+            </a:lvl9pPr>
+          </a:lstStyle>
+          <a:p>
+            <a:r>
+              <a:rPr lang="en-US" dirty="0" smtClean="0"/>
+              <a:t>Creating a single player version where it reads words from a file rather than user input. </a:t>
+            </a:r>
+          </a:p>
+          <a:p>
+            <a:r>
+              <a:rPr lang="en-US" dirty="0" smtClean="0"/>
+              <a:t>Making the </a:t>
+            </a:r>
+            <a:r>
+              <a:rPr lang="en-US" dirty="0" err="1" smtClean="0"/>
+              <a:t>the</a:t>
+            </a:r>
+            <a:r>
+              <a:rPr lang="en-US" dirty="0" smtClean="0"/>
+              <a:t> hangman dance if they won! </a:t>
+            </a:r>
+            <a:r>
+              <a:rPr lang="en-US" dirty="0" smtClean="0">
+                <a:sym typeface="Wingdings"/>
+              </a:rPr>
+              <a:t> - maybe a dab in there.</a:t>
+            </a:r>
+          </a:p>
+          <a:p>
+            <a:r>
+              <a:rPr lang="en-US" dirty="0" smtClean="0">
+                <a:sym typeface="Wingdings"/>
+              </a:rPr>
+              <a:t>Fancy up the </a:t>
+            </a:r>
+            <a:r>
+              <a:rPr lang="en-US" dirty="0" err="1" smtClean="0">
+                <a:sym typeface="Wingdings"/>
+              </a:rPr>
+              <a:t>ascii</a:t>
+            </a:r>
+            <a:r>
+              <a:rPr lang="en-US" dirty="0" smtClean="0">
+                <a:sym typeface="Wingdings"/>
+              </a:rPr>
+              <a:t> art </a:t>
+            </a:r>
+          </a:p>
+          <a:p>
+            <a:r>
+              <a:rPr lang="en-US" dirty="0" smtClean="0">
+                <a:sym typeface="Wingdings"/>
+              </a:rPr>
+              <a:t>Input validation</a:t>
+            </a:r>
+            <a:endParaRPr lang="en-US" dirty="0" smtClean="0"/>
+          </a:p>
+          <a:p>
+            <a:endParaRPr lang="en-US" dirty="0" smtClean="0"/>
+          </a:p>
+        </p:txBody>
+      </p:sp>
+    </p:spTree>
+    <p:extLst>
+      <p:ext uri="{BB962C8B-B14F-4D97-AF65-F5344CB8AC3E}">
+        <p14:creationId xmlns:p14="http://schemas.microsoft.com/office/powerpoint/2010/main" val="1287485952"/>
+      </p:ext>
+    </p:extLst>
+  </p:cSld>
+  <p:clrMapOvr>
+    <a:masterClrMapping/>
+  </p:clrMapOvr>
+  <p:timing>
+    <p:tnLst>
+      <p:par>
+        <p:cTn id="1" dur="indefinite" restart="never" nodeType="tmRoot"/>
+      </p:par>
+    </p:tnLst>
+  </p:timing>
+</p:sld>
+</file>
+
+<file path=ppt/slides/slide8.xml><?xml version="1.0" encoding="utf-8"?>
+<p:sld xmlns:a="http://schemas.openxmlformats.org/drawingml/2006/main" xmlns:r="http://schemas.openxmlformats.org/officeDocument/2006/relationships" xmlns:p="http://schemas.openxmlformats.org/presentationml/2006/main">
+  <p:cSld>
+    <p:bg>
+      <p:bgPr>
+        <a:blipFill dpi="0" rotWithShape="1">
+          <a:blip r:embed="rId2">
+            <a:alphaModFix amt="67000"/>
+            <a:duotone>
+              <a:schemeClr val="bg2">
+                <a:tint val="75000"/>
+                <a:shade val="58000"/>
+                <a:satMod val="120000"/>
+              </a:schemeClr>
+              <a:schemeClr val="bg2">
+                <a:tint val="50000"/>
+                <a:shade val="96000"/>
+              </a:schemeClr>
+            </a:duotone>
+            <a:lum/>
+          </a:blip>
+          <a:srcRect/>
+          <a:tile tx="0" ty="0" sx="100000" sy="100000" flip="none" algn="tl"/>
+        </a:blipFill>
+        <a:effectLst/>
+      </p:bgPr>
+    </p:bg>
+    <p:spTree>
+      <p:nvGrpSpPr>
+        <p:cNvPr id="1" name=""/>
+        <p:cNvGrpSpPr/>
+        <p:nvPr/>
+      </p:nvGrpSpPr>
+      <p:grpSpPr>
+        <a:xfrm>
+          <a:off x="0" y="0"/>
+          <a:ext cx="0" cy="0"/>
+          <a:chOff x="0" y="0"/>
+          <a:chExt cx="0" cy="0"/>
+        </a:xfrm>
+      </p:grpSpPr>
+      <p:sp>
+        <p:nvSpPr>
+          <p:cNvPr id="9" name="TextBox 8"/>
+          <p:cNvSpPr txBox="1"/>
+          <p:nvPr/>
+        </p:nvSpPr>
+        <p:spPr>
+          <a:xfrm>
+            <a:off x="9258300" y="88900"/>
+            <a:ext cx="3073400" cy="2862322"/>
+          </a:xfrm>
+          <a:prstGeom prst="rect">
+            <a:avLst/>
+          </a:prstGeom>
+          <a:noFill/>
+        </p:spPr>
+        <p:txBody>
+          <a:bodyPr wrap="square" rtlCol="0">
+            <a:spAutoFit/>
+          </a:bodyPr>
+          <a:lstStyle/>
+          <a:p>
+            <a:r>
+              <a:rPr lang="en-US" dirty="0"/>
+              <a:t>	</a:t>
+            </a:r>
+            <a:r>
+              <a:rPr lang="en-US" b="1" dirty="0"/>
+              <a:t>--------------</a:t>
+            </a:r>
+          </a:p>
+          <a:p>
+            <a:r>
+              <a:rPr lang="en-US" b="1" dirty="0"/>
+              <a:t>	|	|</a:t>
+            </a:r>
+          </a:p>
+          <a:p>
+            <a:r>
+              <a:rPr lang="en-US" b="1" dirty="0"/>
+              <a:t>	0	|</a:t>
+            </a:r>
+          </a:p>
+          <a:p>
+            <a:r>
+              <a:rPr lang="en-US" b="1" dirty="0"/>
               <a:t>              /|\	|</a:t>
             </a:r>
           </a:p>
@@ -6236,7 +6648,6 @@
               <a:rPr lang="en-US" dirty="0"/>
               <a:t>			</a:t>
             </a:r>
-            <a:endParaRPr lang="en-US" dirty="0"/>
           </a:p>
         </p:txBody>
       </p:sp>
@@ -6290,7 +6701,7 @@
 </p:sld>
 </file>
 
-<file path=ppt/slides/slide8.xml><?xml version="1.0" encoding="utf-8"?>
+<file path=ppt/slides/slide9.xml><?xml version="1.0" encoding="utf-8"?>
 <p:sld xmlns:a="http://schemas.openxmlformats.org/drawingml/2006/main" xmlns:r="http://schemas.openxmlformats.org/officeDocument/2006/relationships" xmlns:p="http://schemas.openxmlformats.org/presentationml/2006/main">
   <p:cSld>
     <p:bg>

--- a/Fighting_Rutabagas.pptx
+++ b/Fighting_Rutabagas.pptx
@@ -4847,11 +4847,7 @@
             <a:pPr lvl="2"/>
             <a:r>
               <a:rPr lang="en-US" dirty="0" smtClean="0"/>
-              <a:t>Classical hangman fail </a:t>
-            </a:r>
-            <a:r>
-              <a:rPr lang="en-US" dirty="0" smtClean="0"/>
-              <a:t>state</a:t>
+              <a:t>Classical hangman fail state</a:t>
             </a:r>
           </a:p>
           <a:p>
@@ -5121,11 +5117,7 @@
             <a:pPr lvl="1"/>
             <a:r>
               <a:rPr lang="en-US" dirty="0" smtClean="0"/>
-              <a:t>Guesses </a:t>
-            </a:r>
-            <a:r>
-              <a:rPr lang="en-US" dirty="0" smtClean="0"/>
-              <a:t>the guesser’s guess count. </a:t>
+              <a:t>Guesses the guesser’s guess count. </a:t>
             </a:r>
           </a:p>
           <a:p>
@@ -5153,7 +5145,6 @@
               <a:rPr lang="en-US" dirty="0" smtClean="0"/>
               <a:t>word</a:t>
             </a:r>
-            <a:endParaRPr lang="en-US" dirty="0" smtClean="0"/>
           </a:p>
           <a:p>
             <a:r>
@@ -5169,11 +5160,7 @@
           <a:p>
             <a:r>
               <a:rPr lang="en-US" dirty="0" smtClean="0"/>
-              <a:t>Updates </a:t>
-            </a:r>
-            <a:r>
-              <a:rPr lang="en-US" dirty="0" smtClean="0"/>
-              <a:t>the roles and calculates scores</a:t>
+              <a:t>Updates the roles and calculates scores</a:t>
             </a:r>
           </a:p>
           <a:p>
@@ -5186,11 +5173,7 @@
           <a:p>
             <a:r>
               <a:rPr lang="en-US" dirty="0" smtClean="0"/>
-              <a:t>User </a:t>
-            </a:r>
-            <a:r>
-              <a:rPr lang="en-US" dirty="0" smtClean="0"/>
-              <a:t>Interface </a:t>
+              <a:t>User Interface </a:t>
             </a:r>
           </a:p>
           <a:p>
@@ -5205,11 +5188,7 @@
             </a:r>
             <a:r>
               <a:rPr lang="en-US" dirty="0" smtClean="0"/>
-              <a:t> </a:t>
-            </a:r>
-            <a:r>
-              <a:rPr lang="en-US" dirty="0" smtClean="0"/>
-              <a:t>characters</a:t>
+              <a:t> characters</a:t>
             </a:r>
           </a:p>
           <a:p>
@@ -5542,14 +5521,12 @@
               <a:rPr lang="en-US" dirty="0" smtClean="0"/>
               <a:t>The completely unnecessary optimization of conditional code. </a:t>
             </a:r>
-            <a:endParaRPr lang="en-US" dirty="0" smtClean="0"/>
           </a:p>
           <a:p>
             <a:r>
               <a:rPr lang="en-US" dirty="0" smtClean="0"/>
               <a:t>Plus we made a pretty cool game</a:t>
             </a:r>
-            <a:endParaRPr lang="en-US" dirty="0" smtClean="0"/>
           </a:p>
         </p:txBody>
       </p:sp>
@@ -6494,7 +6471,21 @@
               <a:rPr lang="en-US" dirty="0" smtClean="0">
                 <a:sym typeface="Wingdings"/>
               </a:rPr>
-              <a:t>Input validation</a:t>
+              <a:t>Input </a:t>
+            </a:r>
+            <a:r>
+              <a:rPr lang="en-US" dirty="0" smtClean="0">
+                <a:sym typeface="Wingdings"/>
+              </a:rPr>
+              <a:t>validation</a:t>
+            </a:r>
+          </a:p>
+          <a:p>
+            <a:r>
+              <a:rPr lang="en-US" smtClean="0">
+                <a:sym typeface="Wingdings"/>
+              </a:rPr>
+              <a:t>COLOR!!</a:t>
             </a:r>
             <a:endParaRPr lang="en-US" dirty="0" smtClean="0"/>
           </a:p>
